--- a/TP5/TrabajoPracticoNr5.pptx
+++ b/TP5/TrabajoPracticoNr5.pptx
@@ -250,7 +250,7 @@
           <a:p>
             <a:fld id="{EACE7A55-DCE8-4C7B-8EC3-A1E2826048E3}" type="datetimeFigureOut">
               <a:rPr lang="es-AR" smtClean="0"/>
-              <a:t>29/9/2023</a:t>
+              <a:t>9/10/2023</a:t>
             </a:fld>
             <a:endParaRPr lang="es-AR"/>
           </a:p>
@@ -420,7 +420,7 @@
           <a:p>
             <a:fld id="{EACE7A55-DCE8-4C7B-8EC3-A1E2826048E3}" type="datetimeFigureOut">
               <a:rPr lang="es-AR" smtClean="0"/>
-              <a:t>29/9/2023</a:t>
+              <a:t>9/10/2023</a:t>
             </a:fld>
             <a:endParaRPr lang="es-AR"/>
           </a:p>
@@ -600,7 +600,7 @@
           <a:p>
             <a:fld id="{EACE7A55-DCE8-4C7B-8EC3-A1E2826048E3}" type="datetimeFigureOut">
               <a:rPr lang="es-AR" smtClean="0"/>
-              <a:t>29/9/2023</a:t>
+              <a:t>9/10/2023</a:t>
             </a:fld>
             <a:endParaRPr lang="es-AR"/>
           </a:p>
@@ -770,7 +770,7 @@
           <a:p>
             <a:fld id="{EACE7A55-DCE8-4C7B-8EC3-A1E2826048E3}" type="datetimeFigureOut">
               <a:rPr lang="es-AR" smtClean="0"/>
-              <a:t>29/9/2023</a:t>
+              <a:t>9/10/2023</a:t>
             </a:fld>
             <a:endParaRPr lang="es-AR"/>
           </a:p>
@@ -1016,7 +1016,7 @@
           <a:p>
             <a:fld id="{EACE7A55-DCE8-4C7B-8EC3-A1E2826048E3}" type="datetimeFigureOut">
               <a:rPr lang="es-AR" smtClean="0"/>
-              <a:t>29/9/2023</a:t>
+              <a:t>9/10/2023</a:t>
             </a:fld>
             <a:endParaRPr lang="es-AR"/>
           </a:p>
@@ -1248,7 +1248,7 @@
           <a:p>
             <a:fld id="{EACE7A55-DCE8-4C7B-8EC3-A1E2826048E3}" type="datetimeFigureOut">
               <a:rPr lang="es-AR" smtClean="0"/>
-              <a:t>29/9/2023</a:t>
+              <a:t>9/10/2023</a:t>
             </a:fld>
             <a:endParaRPr lang="es-AR"/>
           </a:p>
@@ -1615,7 +1615,7 @@
           <a:p>
             <a:fld id="{EACE7A55-DCE8-4C7B-8EC3-A1E2826048E3}" type="datetimeFigureOut">
               <a:rPr lang="es-AR" smtClean="0"/>
-              <a:t>29/9/2023</a:t>
+              <a:t>9/10/2023</a:t>
             </a:fld>
             <a:endParaRPr lang="es-AR"/>
           </a:p>
@@ -1733,7 +1733,7 @@
           <a:p>
             <a:fld id="{EACE7A55-DCE8-4C7B-8EC3-A1E2826048E3}" type="datetimeFigureOut">
               <a:rPr lang="es-AR" smtClean="0"/>
-              <a:t>29/9/2023</a:t>
+              <a:t>9/10/2023</a:t>
             </a:fld>
             <a:endParaRPr lang="es-AR"/>
           </a:p>
@@ -1828,7 +1828,7 @@
           <a:p>
             <a:fld id="{EACE7A55-DCE8-4C7B-8EC3-A1E2826048E3}" type="datetimeFigureOut">
               <a:rPr lang="es-AR" smtClean="0"/>
-              <a:t>29/9/2023</a:t>
+              <a:t>9/10/2023</a:t>
             </a:fld>
             <a:endParaRPr lang="es-AR"/>
           </a:p>
@@ -2105,7 +2105,7 @@
           <a:p>
             <a:fld id="{EACE7A55-DCE8-4C7B-8EC3-A1E2826048E3}" type="datetimeFigureOut">
               <a:rPr lang="es-AR" smtClean="0"/>
-              <a:t>29/9/2023</a:t>
+              <a:t>9/10/2023</a:t>
             </a:fld>
             <a:endParaRPr lang="es-AR"/>
           </a:p>
@@ -2358,7 +2358,7 @@
           <a:p>
             <a:fld id="{EACE7A55-DCE8-4C7B-8EC3-A1E2826048E3}" type="datetimeFigureOut">
               <a:rPr lang="es-AR" smtClean="0"/>
-              <a:t>29/9/2023</a:t>
+              <a:t>9/10/2023</a:t>
             </a:fld>
             <a:endParaRPr lang="es-AR"/>
           </a:p>
@@ -2571,7 +2571,7 @@
           <a:p>
             <a:fld id="{EACE7A55-DCE8-4C7B-8EC3-A1E2826048E3}" type="datetimeFigureOut">
               <a:rPr lang="es-AR" smtClean="0"/>
-              <a:t>29/9/2023</a:t>
+              <a:t>9/10/2023</a:t>
             </a:fld>
             <a:endParaRPr lang="es-AR"/>
           </a:p>
@@ -6244,6 +6244,72 @@
           <a:chExt cx="0" cy="0"/>
         </a:xfrm>
       </p:grpSpPr>
+      <p:sp>
+        <p:nvSpPr>
+          <p:cNvPr id="2" name="Rectángulo 1"/>
+          <p:cNvSpPr/>
+          <p:nvPr/>
+        </p:nvSpPr>
+        <p:spPr>
+          <a:xfrm>
+            <a:off x="535709" y="381153"/>
+            <a:ext cx="10196945" cy="1200329"/>
+          </a:xfrm>
+          <a:prstGeom prst="rect">
+            <a:avLst/>
+          </a:prstGeom>
+        </p:spPr>
+        <p:txBody>
+          <a:bodyPr wrap="square">
+            <a:spAutoFit/>
+          </a:bodyPr>
+          <a:lstStyle/>
+          <a:p>
+            <a:pPr algn="just"/>
+            <a:r>
+              <a:rPr lang="es-AR" sz="2400" dirty="0"/>
+              <a:t>Obtener una señal </a:t>
+            </a:r>
+            <a:r>
+              <a:rPr lang="es-AR" sz="2400" dirty="0" smtClean="0"/>
+              <a:t>cualquiera.</a:t>
+            </a:r>
+            <a:endParaRPr lang="es-AR" sz="2400" dirty="0"/>
+          </a:p>
+          <a:p>
+            <a:pPr marL="342900" indent="-342900" algn="just">
+              <a:buAutoNum type="arabicParenR"/>
+            </a:pPr>
+            <a:r>
+              <a:rPr lang="es-AR" sz="2400" dirty="0"/>
+              <a:t>Graficarla en el dominio del tiempo</a:t>
+            </a:r>
+            <a:r>
+              <a:rPr lang="es-AR" sz="2400" dirty="0" smtClean="0"/>
+              <a:t>.</a:t>
+            </a:r>
+            <a:endParaRPr lang="es-AR" sz="2400" dirty="0"/>
+          </a:p>
+          <a:p>
+            <a:pPr marL="342900" indent="-342900" algn="just">
+              <a:buAutoNum type="arabicParenR"/>
+            </a:pPr>
+            <a:r>
+              <a:rPr lang="es-AR" sz="2400" dirty="0" smtClean="0"/>
+              <a:t>Calcular la </a:t>
+            </a:r>
+            <a:r>
+              <a:rPr lang="es-AR" sz="2400" dirty="0" err="1" smtClean="0"/>
+              <a:t>fft</a:t>
+            </a:r>
+            <a:r>
+              <a:rPr lang="es-AR" sz="2400" dirty="0" smtClean="0"/>
+              <a:t> y comparar con los resultados obtenidos con osciloscopio.</a:t>
+            </a:r>
+            <a:endParaRPr lang="es-AR" sz="2400" dirty="0"/>
+          </a:p>
+        </p:txBody>
+      </p:sp>
     </p:spTree>
     <p:extLst>
       <p:ext uri="{BB962C8B-B14F-4D97-AF65-F5344CB8AC3E}">
